--- a/Slides/Module 7.pptx
+++ b/Slides/Module 7.pptx
@@ -121,10 +121,10 @@
   </p:defaultTextStyle>
   <p:extLst>
     <p:ext uri="{EFAFB233-063F-42B5-8137-9DF3F51BA10A}">
-      <p15:sldGuideLst xmlns:p15="http://schemas.microsoft.com/office/powerpoint/2012/main"/>
+      <p15:sldGuideLst xmlns:p15="http://schemas.microsoft.com/office/powerpoint/2012/main" xmlns=""/>
     </p:ext>
     <p:ext uri="{2D200454-40CA-4A62-9FC3-DE9A4176ACB9}">
-      <p15:notesGuideLst xmlns:p15="http://schemas.microsoft.com/office/powerpoint/2012/main"/>
+      <p15:notesGuideLst xmlns:p15="http://schemas.microsoft.com/office/powerpoint/2012/main" xmlns=""/>
     </p:ext>
   </p:extLst>
 </p:presentation>
@@ -212,7 +212,7 @@
           <a:p>
             <a:fld id="{312E7B4A-039C-48A2-9B2C-AF16AA3873D8}" type="datetimeFigureOut">
               <a:rPr lang="en-US" smtClean="0"/>
-              <a:t>11/25/2014</a:t>
+              <a:t>12/2/14</a:t>
             </a:fld>
             <a:endParaRPr lang="en-US"/>
           </a:p>
@@ -377,7 +377,7 @@
           <a:p>
             <a:fld id="{DA005A0C-54D9-45AA-87D4-C551D08DFCE1}" type="datetimeFigureOut">
               <a:rPr lang="en-US" smtClean="0"/>
-              <a:t>11/25/2014</a:t>
+              <a:t>12/2/14</a:t>
             </a:fld>
             <a:endParaRPr lang="en-US"/>
           </a:p>
@@ -1719,13 +1719,13 @@
   <p:timing>
     <p:tnLst>
       <p:par>
-        <p:cTn id="1" dur="indefinite" restart="never" nodeType="tmRoot"/>
+        <p:cTn xmlns:p14="http://schemas.microsoft.com/office/powerpoint/2010/main" id="1" dur="indefinite" restart="never" nodeType="tmRoot"/>
       </p:par>
     </p:tnLst>
   </p:timing>
   <p:extLst mod="1">
     <p:ext uri="{DCECCB84-F9BA-43D5-87BE-67443E8EF086}">
-      <p15:sldGuideLst xmlns:p15="http://schemas.microsoft.com/office/powerpoint/2012/main">
+      <p15:sldGuideLst xmlns:p15="http://schemas.microsoft.com/office/powerpoint/2012/main" xmlns="">
         <p15:guide id="1" orient="horz" pos="3792">
           <p15:clr>
             <a:srgbClr val="FBAE40"/>
@@ -2378,13 +2378,13 @@
   <p:timing>
     <p:tnLst>
       <p:par>
-        <p:cTn id="1" dur="indefinite" restart="never" nodeType="tmRoot"/>
+        <p:cTn xmlns:p14="http://schemas.microsoft.com/office/powerpoint/2010/main" id="1" dur="indefinite" restart="never" nodeType="tmRoot"/>
       </p:par>
     </p:tnLst>
   </p:timing>
   <p:extLst mod="1">
     <p:ext uri="{DCECCB84-F9BA-43D5-87BE-67443E8EF086}">
-      <p15:sldGuideLst xmlns:p15="http://schemas.microsoft.com/office/powerpoint/2012/main">
+      <p15:sldGuideLst xmlns:p15="http://schemas.microsoft.com/office/powerpoint/2012/main" xmlns="">
         <p15:guide id="1" orient="horz" pos="2160">
           <p15:clr>
             <a:srgbClr val="FBAE40"/>
@@ -2612,7 +2612,7 @@
   <p:timing>
     <p:tnLst>
       <p:par>
-        <p:cTn id="1" dur="indefinite" restart="never" nodeType="tmRoot"/>
+        <p:cTn xmlns:p14="http://schemas.microsoft.com/office/powerpoint/2010/main" id="1" dur="indefinite" restart="never" nodeType="tmRoot"/>
       </p:par>
     </p:tnLst>
   </p:timing>
@@ -2771,7 +2771,7 @@
   <p:timing>
     <p:tnLst>
       <p:par>
-        <p:cTn id="1" dur="indefinite" restart="never" nodeType="tmRoot"/>
+        <p:cTn xmlns:p14="http://schemas.microsoft.com/office/powerpoint/2010/main" id="1" dur="indefinite" restart="never" nodeType="tmRoot"/>
       </p:par>
     </p:tnLst>
   </p:timing>
@@ -3011,7 +3011,7 @@
   <p:timing>
     <p:tnLst>
       <p:par>
-        <p:cTn id="1" dur="indefinite" restart="never" nodeType="tmRoot"/>
+        <p:cTn xmlns:p14="http://schemas.microsoft.com/office/powerpoint/2010/main" id="1" dur="indefinite" restart="never" nodeType="tmRoot"/>
       </p:par>
     </p:tnLst>
   </p:timing>
@@ -3403,7 +3403,7 @@
   <p:timing>
     <p:tnLst>
       <p:par>
-        <p:cTn id="1" dur="indefinite" restart="never" nodeType="tmRoot"/>
+        <p:cTn xmlns:p14="http://schemas.microsoft.com/office/powerpoint/2010/main" id="1" dur="indefinite" restart="never" nodeType="tmRoot"/>
       </p:par>
     </p:tnLst>
   </p:timing>
@@ -3463,7 +3463,7 @@
   <p:timing>
     <p:tnLst>
       <p:par>
-        <p:cTn id="1" dur="indefinite" restart="never" nodeType="tmRoot"/>
+        <p:cTn xmlns:p14="http://schemas.microsoft.com/office/powerpoint/2010/main" id="1" dur="indefinite" restart="never" nodeType="tmRoot"/>
       </p:par>
     </p:tnLst>
   </p:timing>
@@ -3500,7 +3500,7 @@
   <p:timing>
     <p:tnLst>
       <p:par>
-        <p:cTn id="1" dur="indefinite" restart="never" nodeType="tmRoot"/>
+        <p:cTn xmlns:p14="http://schemas.microsoft.com/office/powerpoint/2010/main" id="1" dur="indefinite" restart="never" nodeType="tmRoot"/>
       </p:par>
     </p:tnLst>
   </p:timing>
@@ -3711,7 +3711,7 @@
   <p:timing>
     <p:tnLst>
       <p:par>
-        <p:cTn id="1" dur="indefinite" restart="never" nodeType="tmRoot"/>
+        <p:cTn xmlns:p14="http://schemas.microsoft.com/office/powerpoint/2010/main" id="1" dur="indefinite" restart="never" nodeType="tmRoot"/>
       </p:par>
     </p:tnLst>
   </p:timing>
@@ -3795,7 +3795,7 @@
   <p:timing>
     <p:tnLst>
       <p:par>
-        <p:cTn id="1" dur="indefinite" restart="never" nodeType="tmRoot"/>
+        <p:cTn xmlns:p14="http://schemas.microsoft.com/office/powerpoint/2010/main" id="1" dur="indefinite" restart="never" nodeType="tmRoot"/>
       </p:par>
     </p:tnLst>
   </p:timing>
@@ -4103,15 +4103,7 @@
             <a:pPr marL="914400" indent="-914400"/>
             <a:r>
               <a:rPr lang="en-US" dirty="0" smtClean="0"/>
-              <a:t>07 </a:t>
-            </a:r>
-            <a:r>
-              <a:rPr lang="en-US" dirty="0" smtClean="0"/>
-              <a:t>| </a:t>
-            </a:r>
-            <a:r>
-              <a:rPr lang="en-US" dirty="0" smtClean="0"/>
-              <a:t>CSS Preprocessors</a:t>
+              <a:t>07 | CSS Preprocessors</a:t>
             </a:r>
             <a:endParaRPr lang="en-US" dirty="0"/>
           </a:p>
@@ -4158,7 +4150,7 @@
   <p:timing>
     <p:tnLst>
       <p:par>
-        <p:cTn id="1" dur="indefinite" restart="never" nodeType="tmRoot"/>
+        <p:cTn xmlns:p14="http://schemas.microsoft.com/office/powerpoint/2010/main" id="1" dur="indefinite" restart="never" nodeType="tmRoot"/>
       </p:par>
     </p:tnLst>
   </p:timing>
@@ -4236,7 +4228,6 @@
               <a:rPr lang="en-US" dirty="0" smtClean="0"/>
               <a:t>Do you prefer declarative or imperative programming?</a:t>
             </a:r>
-            <a:endParaRPr lang="en-US" dirty="0" smtClean="0"/>
           </a:p>
           <a:p>
             <a:pPr lvl="1"/>
@@ -4263,7 +4254,7 @@
   <p:timing>
     <p:tnLst>
       <p:par>
-        <p:cTn id="1" dur="indefinite" restart="never" nodeType="tmRoot"/>
+        <p:cTn xmlns:p14="http://schemas.microsoft.com/office/powerpoint/2010/main" id="1" dur="indefinite" restart="never" nodeType="tmRoot"/>
       </p:par>
     </p:tnLst>
   </p:timing>
@@ -4366,7 +4357,7 @@
   <p:timing>
     <p:tnLst>
       <p:par>
-        <p:cTn id="1" dur="indefinite" restart="never" nodeType="tmRoot"/>
+        <p:cTn xmlns:p14="http://schemas.microsoft.com/office/powerpoint/2010/main" id="1" dur="indefinite" restart="never" nodeType="tmRoot"/>
       </p:par>
     </p:tnLst>
   </p:timing>
@@ -4445,7 +4436,7 @@
   <p:timing>
     <p:tnLst>
       <p:par>
-        <p:cTn id="1" dur="indefinite" restart="never" nodeType="tmRoot"/>
+        <p:cTn xmlns:p14="http://schemas.microsoft.com/office/powerpoint/2010/main" id="1" dur="indefinite" restart="never" nodeType="tmRoot"/>
       </p:par>
     </p:tnLst>
   </p:timing>
@@ -4517,7 +4508,6 @@
               <a:rPr lang="en-US" dirty="0" smtClean="0"/>
               <a:t>Compiles into standard CSS</a:t>
             </a:r>
-            <a:endParaRPr lang="en-US" dirty="0" smtClean="0"/>
           </a:p>
           <a:p>
             <a:endParaRPr lang="en-US" dirty="0" smtClean="0"/>
@@ -4540,7 +4530,7 @@
   <p:timing>
     <p:tnLst>
       <p:par>
-        <p:cTn id="1" dur="indefinite" restart="never" nodeType="tmRoot"/>
+        <p:cTn xmlns:p14="http://schemas.microsoft.com/office/powerpoint/2010/main" id="1" dur="indefinite" restart="never" nodeType="tmRoot"/>
       </p:par>
     </p:tnLst>
   </p:timing>
@@ -4618,7 +4608,6 @@
               <a:rPr lang="en-US" dirty="0" smtClean="0"/>
               <a:t>Easily cross-browser compatible</a:t>
             </a:r>
-            <a:endParaRPr lang="en-US" dirty="0" smtClean="0"/>
           </a:p>
           <a:p>
             <a:endParaRPr lang="en-US" dirty="0" smtClean="0"/>
@@ -4644,7 +4633,7 @@
   <p:timing>
     <p:tnLst>
       <p:par>
-        <p:cTn id="1" dur="indefinite" restart="never" nodeType="tmRoot"/>
+        <p:cTn xmlns:p14="http://schemas.microsoft.com/office/powerpoint/2010/main" id="1" dur="indefinite" restart="never" nodeType="tmRoot"/>
       </p:par>
     </p:tnLst>
   </p:timing>
@@ -4722,7 +4711,6 @@
               <a:rPr lang="en-US" dirty="0" smtClean="0"/>
               <a:t>Easily cross-browser compatible</a:t>
             </a:r>
-            <a:endParaRPr lang="en-US" dirty="0" smtClean="0"/>
           </a:p>
           <a:p>
             <a:endParaRPr lang="en-US" dirty="0" smtClean="0"/>
@@ -4748,7 +4736,7 @@
   <p:timing>
     <p:tnLst>
       <p:par>
-        <p:cTn id="1" dur="indefinite" restart="never" nodeType="tmRoot"/>
+        <p:cTn xmlns:p14="http://schemas.microsoft.com/office/powerpoint/2010/main" id="1" dur="indefinite" restart="never" nodeType="tmRoot"/>
       </p:par>
     </p:tnLst>
   </p:timing>
@@ -4827,7 +4815,7 @@
   <p:timing>
     <p:tnLst>
       <p:par>
-        <p:cTn id="1" dur="indefinite" restart="never" nodeType="tmRoot"/>
+        <p:cTn xmlns:p14="http://schemas.microsoft.com/office/powerpoint/2010/main" id="1" dur="indefinite" restart="never" nodeType="tmRoot"/>
       </p:par>
     </p:tnLst>
   </p:timing>
@@ -4891,7 +4879,6 @@
               <a:rPr lang="en-US" dirty="0" smtClean="0"/>
               <a:t>Values assigned with :</a:t>
             </a:r>
-            <a:endParaRPr lang="en-US" dirty="0" smtClean="0"/>
           </a:p>
           <a:p>
             <a:r>
@@ -5158,7 +5145,6 @@
               <a:rPr lang="en-US" dirty="0" smtClean="0"/>
               <a:t>Stylus</a:t>
             </a:r>
-            <a:endParaRPr lang="en-US" dirty="0" smtClean="0"/>
           </a:p>
           <a:p>
             <a:r>
@@ -5171,7 +5157,6 @@
               <a:rPr lang="en-US" dirty="0" smtClean="0"/>
               <a:t>Values assigned with =</a:t>
             </a:r>
-            <a:endParaRPr lang="en-US" dirty="0" smtClean="0"/>
           </a:p>
           <a:p>
             <a:r>
@@ -5212,7 +5197,7 @@
   <p:timing>
     <p:tnLst>
       <p:par>
-        <p:cTn id="1" dur="indefinite" restart="never" nodeType="tmRoot"/>
+        <p:cTn xmlns:p14="http://schemas.microsoft.com/office/powerpoint/2010/main" id="1" dur="indefinite" restart="never" nodeType="tmRoot"/>
       </p:par>
     </p:tnLst>
   </p:timing>
@@ -5248,7 +5233,7 @@
         </p:nvSpPr>
         <p:spPr>
           <a:xfrm>
-            <a:off x="4195258" y="1524001"/>
+            <a:off x="4195258" y="1302285"/>
             <a:ext cx="3892944" cy="4953001"/>
           </a:xfrm>
         </p:spPr>
@@ -5335,7 +5320,7 @@
         </p:nvSpPr>
         <p:spPr>
           <a:xfrm>
-            <a:off x="531912" y="1524001"/>
+            <a:off x="531912" y="1302285"/>
             <a:ext cx="3645950" cy="4953001"/>
           </a:xfrm>
           <a:prstGeom prst="rect">
@@ -5344,7 +5329,7 @@
         </p:spPr>
         <p:txBody>
           <a:bodyPr>
-            <a:normAutofit fontScale="92500"/>
+            <a:noAutofit/>
           </a:bodyPr>
           <a:lstStyle>
             <a:lvl1pPr marL="342783" indent="-342783" algn="l" defTabSz="914088" rtl="0" eaLnBrk="1" latinLnBrk="0" hangingPunct="1">
@@ -5507,7 +5492,19 @@
           <a:p>
             <a:r>
               <a:rPr lang="en-US" dirty="0" smtClean="0"/>
-              <a:t>More “true” to CSS</a:t>
+              <a:t>“</a:t>
+            </a:r>
+            <a:r>
+              <a:rPr lang="en-US" dirty="0"/>
+              <a:t>T</a:t>
+            </a:r>
+            <a:r>
+              <a:rPr lang="en-US" dirty="0" smtClean="0"/>
+              <a:t>rue</a:t>
+            </a:r>
+            <a:r>
+              <a:rPr lang="en-US" dirty="0" smtClean="0"/>
+              <a:t>” to CSS</a:t>
             </a:r>
           </a:p>
           <a:p>
@@ -5545,7 +5542,7 @@
         </p:nvSpPr>
         <p:spPr>
           <a:xfrm>
-            <a:off x="8105598" y="1524000"/>
+            <a:off x="8105598" y="1302284"/>
             <a:ext cx="3892944" cy="4953001"/>
           </a:xfrm>
         </p:spPr>
@@ -5560,7 +5557,6 @@
               <a:rPr lang="en-US" dirty="0" smtClean="0"/>
               <a:t>Stylus</a:t>
             </a:r>
-            <a:endParaRPr lang="en-US" dirty="0" smtClean="0"/>
           </a:p>
           <a:p>
             <a:r>
@@ -5621,7 +5617,7 @@
   <p:timing>
     <p:tnLst>
       <p:par>
-        <p:cTn id="1" dur="indefinite" restart="never" nodeType="tmRoot"/>
+        <p:cTn xmlns:p14="http://schemas.microsoft.com/office/powerpoint/2010/main" id="1" dur="indefinite" restart="never" nodeType="tmRoot"/>
       </p:par>
     </p:tnLst>
   </p:timing>
@@ -5956,7 +5952,7 @@
     </a:clrScheme>
     <a:fontScheme name="Office">
       <a:majorFont>
-        <a:latin typeface="Calibri Light" panose="020F0302020204030204"/>
+        <a:latin typeface="Calibri Light"/>
         <a:ea typeface=""/>
         <a:cs typeface=""/>
         <a:font script="Jpan" typeface="ＭＳ Ｐゴシック"/>
@@ -5991,7 +5987,7 @@
         <a:font script="Geor" typeface="Sylfaen"/>
       </a:majorFont>
       <a:minorFont>
-        <a:latin typeface="Calibri" panose="020F0502020204030204"/>
+        <a:latin typeface="Calibri"/>
         <a:ea typeface=""/>
         <a:cs typeface=""/>
         <a:font script="Jpan" typeface="ＭＳ Ｐゴシック"/>
@@ -6168,7 +6164,7 @@
   <a:extraClrSchemeLst/>
   <a:extLst>
     <a:ext uri="{05A4C25C-085E-4340-85A3-A5531E510DB2}">
-      <thm15:themeFamily xmlns:thm15="http://schemas.microsoft.com/office/thememl/2012/main" name="Office Theme" id="{62F939B6-93AF-4DB8-9C6B-D6C7DFDC589F}" vid="{4A3C46E8-61CC-4603-A589-7422A47A8E4A}"/>
+      <thm15:themeFamily xmlns:thm15="http://schemas.microsoft.com/office/thememl/2012/main" xmlns="" name="Office Theme" id="{62F939B6-93AF-4DB8-9C6B-D6C7DFDC589F}" vid="{4A3C46E8-61CC-4603-A589-7422A47A8E4A}"/>
     </a:ext>
   </a:extLst>
 </a:theme>
@@ -6217,7 +6213,7 @@
     </a:clrScheme>
     <a:fontScheme name="Office">
       <a:majorFont>
-        <a:latin typeface="Calibri Light" panose="020F0302020204030204"/>
+        <a:latin typeface="Calibri Light"/>
         <a:ea typeface=""/>
         <a:cs typeface=""/>
         <a:font script="Jpan" typeface="ＭＳ Ｐゴシック"/>
@@ -6252,7 +6248,7 @@
         <a:font script="Geor" typeface="Sylfaen"/>
       </a:majorFont>
       <a:minorFont>
-        <a:latin typeface="Calibri" panose="020F0502020204030204"/>
+        <a:latin typeface="Calibri"/>
         <a:ea typeface=""/>
         <a:cs typeface=""/>
         <a:font script="Jpan" typeface="ＭＳ Ｐゴシック"/>
@@ -6429,7 +6425,7 @@
   <a:extraClrSchemeLst/>
   <a:extLst>
     <a:ext uri="{05A4C25C-085E-4340-85A3-A5531E510DB2}">
-      <thm15:themeFamily xmlns:thm15="http://schemas.microsoft.com/office/thememl/2012/main" name="Office Theme" id="{62F939B6-93AF-4DB8-9C6B-D6C7DFDC589F}" vid="{4A3C46E8-61CC-4603-A589-7422A47A8E4A}"/>
+      <thm15:themeFamily xmlns:thm15="http://schemas.microsoft.com/office/thememl/2012/main" xmlns="" name="Office Theme" id="{62F939B6-93AF-4DB8-9C6B-D6C7DFDC589F}" vid="{4A3C46E8-61CC-4603-A589-7422A47A8E4A}"/>
     </a:ext>
   </a:extLst>
 </a:theme>
